--- a/15-Node Maintenace/Node Maintenace.pptx
+++ b/15-Node Maintenace/Node Maintenace.pptx
@@ -7,13 +7,13 @@
   <p:sldIdLst>
     <p:sldId id="256" r:id="rId2"/>
     <p:sldId id="257" r:id="rId3"/>
-    <p:sldId id="258" r:id="rId4"/>
-    <p:sldId id="259" r:id="rId5"/>
-    <p:sldId id="262" r:id="rId6"/>
-    <p:sldId id="264" r:id="rId7"/>
-    <p:sldId id="263" r:id="rId8"/>
-    <p:sldId id="260" r:id="rId9"/>
-    <p:sldId id="261" r:id="rId10"/>
+    <p:sldId id="262" r:id="rId4"/>
+    <p:sldId id="264" r:id="rId5"/>
+    <p:sldId id="263" r:id="rId6"/>
+    <p:sldId id="260" r:id="rId7"/>
+    <p:sldId id="261" r:id="rId8"/>
+    <p:sldId id="258" r:id="rId9"/>
+    <p:sldId id="259" r:id="rId10"/>
     <p:sldId id="269" r:id="rId11"/>
   </p:sldIdLst>
   <p:sldSz cx="12192000" cy="6858000"/>
@@ -252,7 +252,7 @@
           <a:p>
             <a:fld id="{44F7F4B6-B27E-4526-A1F1-7B697A424504}" type="datetimeFigureOut">
               <a:rPr lang="en-SG" smtClean="0"/>
-              <a:t>22/10/2018</a:t>
+              <a:t>25/10/2018</a:t>
             </a:fld>
             <a:endParaRPr lang="en-SG"/>
           </a:p>
@@ -422,7 +422,7 @@
           <a:p>
             <a:fld id="{44F7F4B6-B27E-4526-A1F1-7B697A424504}" type="datetimeFigureOut">
               <a:rPr lang="en-SG" smtClean="0"/>
-              <a:t>22/10/2018</a:t>
+              <a:t>25/10/2018</a:t>
             </a:fld>
             <a:endParaRPr lang="en-SG"/>
           </a:p>
@@ -602,7 +602,7 @@
           <a:p>
             <a:fld id="{44F7F4B6-B27E-4526-A1F1-7B697A424504}" type="datetimeFigureOut">
               <a:rPr lang="en-SG" smtClean="0"/>
-              <a:t>22/10/2018</a:t>
+              <a:t>25/10/2018</a:t>
             </a:fld>
             <a:endParaRPr lang="en-SG"/>
           </a:p>
@@ -772,7 +772,7 @@
           <a:p>
             <a:fld id="{44F7F4B6-B27E-4526-A1F1-7B697A424504}" type="datetimeFigureOut">
               <a:rPr lang="en-SG" smtClean="0"/>
-              <a:t>22/10/2018</a:t>
+              <a:t>25/10/2018</a:t>
             </a:fld>
             <a:endParaRPr lang="en-SG"/>
           </a:p>
@@ -1018,7 +1018,7 @@
           <a:p>
             <a:fld id="{44F7F4B6-B27E-4526-A1F1-7B697A424504}" type="datetimeFigureOut">
               <a:rPr lang="en-SG" smtClean="0"/>
-              <a:t>22/10/2018</a:t>
+              <a:t>25/10/2018</a:t>
             </a:fld>
             <a:endParaRPr lang="en-SG"/>
           </a:p>
@@ -1250,7 +1250,7 @@
           <a:p>
             <a:fld id="{44F7F4B6-B27E-4526-A1F1-7B697A424504}" type="datetimeFigureOut">
               <a:rPr lang="en-SG" smtClean="0"/>
-              <a:t>22/10/2018</a:t>
+              <a:t>25/10/2018</a:t>
             </a:fld>
             <a:endParaRPr lang="en-SG"/>
           </a:p>
@@ -1617,7 +1617,7 @@
           <a:p>
             <a:fld id="{44F7F4B6-B27E-4526-A1F1-7B697A424504}" type="datetimeFigureOut">
               <a:rPr lang="en-SG" smtClean="0"/>
-              <a:t>22/10/2018</a:t>
+              <a:t>25/10/2018</a:t>
             </a:fld>
             <a:endParaRPr lang="en-SG"/>
           </a:p>
@@ -1735,7 +1735,7 @@
           <a:p>
             <a:fld id="{44F7F4B6-B27E-4526-A1F1-7B697A424504}" type="datetimeFigureOut">
               <a:rPr lang="en-SG" smtClean="0"/>
-              <a:t>22/10/2018</a:t>
+              <a:t>25/10/2018</a:t>
             </a:fld>
             <a:endParaRPr lang="en-SG"/>
           </a:p>
@@ -1830,7 +1830,7 @@
           <a:p>
             <a:fld id="{44F7F4B6-B27E-4526-A1F1-7B697A424504}" type="datetimeFigureOut">
               <a:rPr lang="en-SG" smtClean="0"/>
-              <a:t>22/10/2018</a:t>
+              <a:t>25/10/2018</a:t>
             </a:fld>
             <a:endParaRPr lang="en-SG"/>
           </a:p>
@@ -2107,7 +2107,7 @@
           <a:p>
             <a:fld id="{44F7F4B6-B27E-4526-A1F1-7B697A424504}" type="datetimeFigureOut">
               <a:rPr lang="en-SG" smtClean="0"/>
-              <a:t>22/10/2018</a:t>
+              <a:t>25/10/2018</a:t>
             </a:fld>
             <a:endParaRPr lang="en-SG"/>
           </a:p>
@@ -2360,7 +2360,7 @@
           <a:p>
             <a:fld id="{44F7F4B6-B27E-4526-A1F1-7B697A424504}" type="datetimeFigureOut">
               <a:rPr lang="en-SG" smtClean="0"/>
-              <a:t>22/10/2018</a:t>
+              <a:t>25/10/2018</a:t>
             </a:fld>
             <a:endParaRPr lang="en-SG"/>
           </a:p>
@@ -2573,7 +2573,7 @@
           <a:p>
             <a:fld id="{44F7F4B6-B27E-4526-A1F1-7B697A424504}" type="datetimeFigureOut">
               <a:rPr lang="en-SG" smtClean="0"/>
-              <a:t>22/10/2018</a:t>
+              <a:t>25/10/2018</a:t>
             </a:fld>
             <a:endParaRPr lang="en-SG"/>
           </a:p>
@@ -3374,297 +3374,6 @@
       </p:grpSpPr>
       <p:sp>
         <p:nvSpPr>
-          <p:cNvPr id="4" name="Text Placeholder 3"/>
-          <p:cNvSpPr>
-            <a:spLocks noGrp="1"/>
-          </p:cNvSpPr>
-          <p:nvPr>
-            <p:ph type="body" idx="1"/>
-          </p:nvPr>
-        </p:nvSpPr>
-        <p:spPr>
-          <a:xfrm>
-            <a:off x="508000" y="1092200"/>
-            <a:ext cx="11684000" cy="1231107"/>
-          </a:xfrm>
-        </p:spPr>
-        <p:txBody>
-          <a:bodyPr/>
-          <a:lstStyle/>
-          <a:p>
-            <a:pPr marL="457189" indent="-457189">
-              <a:lnSpc>
-                <a:spcPct val="150000"/>
-              </a:lnSpc>
-            </a:pPr>
-            <a:endParaRPr lang="en-US" dirty="0"/>
-          </a:p>
-          <a:p>
-            <a:pPr marL="457189" indent="-457189">
-              <a:lnSpc>
-                <a:spcPct val="150000"/>
-              </a:lnSpc>
-            </a:pPr>
-            <a:endParaRPr lang="en-US" dirty="0"/>
-          </a:p>
-        </p:txBody>
-      </p:sp>
-      <p:pic>
-        <p:nvPicPr>
-          <p:cNvPr id="3" name="Picture 2"/>
-          <p:cNvPicPr>
-            <a:picLocks noChangeAspect="1"/>
-          </p:cNvPicPr>
-          <p:nvPr/>
-        </p:nvPicPr>
-        <p:blipFill>
-          <a:blip r:embed="rId2"/>
-          <a:stretch>
-            <a:fillRect/>
-          </a:stretch>
-        </p:blipFill>
-        <p:spPr>
-          <a:xfrm>
-            <a:off x="647700" y="679450"/>
-            <a:ext cx="9910599" cy="5001503"/>
-          </a:xfrm>
-          <a:prstGeom prst="rect">
-            <a:avLst/>
-          </a:prstGeom>
-        </p:spPr>
-      </p:pic>
-      <p:pic>
-        <p:nvPicPr>
-          <p:cNvPr id="5" name="Picture 3" descr="Image result for kubernetes">
-            <a:hlinkClick r:id="rId3"/>
-            <a:extLst>
-              <a:ext uri="{FF2B5EF4-FFF2-40B4-BE49-F238E27FC236}">
-                <a16:creationId xmlns:a16="http://schemas.microsoft.com/office/drawing/2014/main" id="{A8684C97-5D09-49FE-A0F7-F62F4C6BDC69}"/>
-              </a:ext>
-            </a:extLst>
-          </p:cNvPr>
-          <p:cNvPicPr>
-            <a:picLocks noChangeAspect="1" noChangeArrowheads="1"/>
-          </p:cNvPicPr>
-          <p:nvPr/>
-        </p:nvPicPr>
-        <p:blipFill>
-          <a:blip r:embed="rId4">
-            <a:extLst>
-              <a:ext uri="{28A0092B-C50C-407E-A947-70E740481C1C}">
-                <a14:useLocalDpi xmlns:a14="http://schemas.microsoft.com/office/drawing/2010/main" val="0"/>
-              </a:ext>
-            </a:extLst>
-          </a:blip>
-          <a:srcRect/>
-          <a:stretch>
-            <a:fillRect/>
-          </a:stretch>
-        </p:blipFill>
-        <p:spPr bwMode="auto">
-          <a:xfrm>
-            <a:off x="10555430" y="5382705"/>
-            <a:ext cx="1511453" cy="1475294"/>
-          </a:xfrm>
-          <a:prstGeom prst="rect">
-            <a:avLst/>
-          </a:prstGeom>
-          <a:noFill/>
-          <a:extLst>
-            <a:ext uri="{909E8E84-426E-40DD-AFC4-6F175D3DCCD1}">
-              <a14:hiddenFill xmlns:a14="http://schemas.microsoft.com/office/drawing/2010/main">
-                <a:solidFill>
-                  <a:srgbClr val="FFFFFF"/>
-                </a:solidFill>
-              </a14:hiddenFill>
-            </a:ext>
-          </a:extLst>
-        </p:spPr>
-      </p:pic>
-    </p:spTree>
-    <p:extLst>
-      <p:ext uri="{BB962C8B-B14F-4D97-AF65-F5344CB8AC3E}">
-        <p14:creationId xmlns:p14="http://schemas.microsoft.com/office/powerpoint/2010/main" val="3290821711"/>
-      </p:ext>
-    </p:extLst>
-  </p:cSld>
-  <p:clrMapOvr>
-    <a:masterClrMapping/>
-  </p:clrMapOvr>
-</p:sld>
-</file>
-
-<file path=ppt/slides/slide4.xml><?xml version="1.0" encoding="utf-8"?>
-<p:sld xmlns:a="http://schemas.openxmlformats.org/drawingml/2006/main" xmlns:r="http://schemas.openxmlformats.org/officeDocument/2006/relationships" xmlns:p="http://schemas.openxmlformats.org/presentationml/2006/main">
-  <p:cSld>
-    <p:spTree>
-      <p:nvGrpSpPr>
-        <p:cNvPr id="1" name=""/>
-        <p:cNvGrpSpPr/>
-        <p:nvPr/>
-      </p:nvGrpSpPr>
-      <p:grpSpPr>
-        <a:xfrm>
-          <a:off x="0" y="0"/>
-          <a:ext cx="0" cy="0"/>
-          <a:chOff x="0" y="0"/>
-          <a:chExt cx="0" cy="0"/>
-        </a:xfrm>
-      </p:grpSpPr>
-      <p:sp>
-        <p:nvSpPr>
-          <p:cNvPr id="3" name="Title 2"/>
-          <p:cNvSpPr>
-            <a:spLocks noGrp="1"/>
-          </p:cNvSpPr>
-          <p:nvPr>
-            <p:ph type="title"/>
-          </p:nvPr>
-        </p:nvSpPr>
-        <p:spPr>
-          <a:xfrm>
-            <a:off x="656281" y="265361"/>
-            <a:ext cx="10879439" cy="970779"/>
-          </a:xfrm>
-        </p:spPr>
-        <p:txBody>
-          <a:bodyPr>
-            <a:normAutofit fontScale="90000"/>
-          </a:bodyPr>
-          <a:lstStyle/>
-          <a:p>
-            <a:pPr>
-              <a:lnSpc>
-                <a:spcPct val="200000"/>
-              </a:lnSpc>
-            </a:pPr>
-            <a:r>
-              <a:rPr lang="en-US" dirty="0"/>
-              <a:t>Demo Placeholder</a:t>
-            </a:r>
-          </a:p>
-        </p:txBody>
-      </p:sp>
-      <p:sp>
-        <p:nvSpPr>
-          <p:cNvPr id="4" name="Text Placeholder 3"/>
-          <p:cNvSpPr>
-            <a:spLocks noGrp="1"/>
-          </p:cNvSpPr>
-          <p:nvPr>
-            <p:ph type="body" idx="1"/>
-          </p:nvPr>
-        </p:nvSpPr>
-        <p:spPr>
-          <a:xfrm>
-            <a:off x="767475" y="1496991"/>
-            <a:ext cx="10657048" cy="1641475"/>
-          </a:xfrm>
-        </p:spPr>
-        <p:txBody>
-          <a:bodyPr/>
-          <a:lstStyle/>
-          <a:p>
-            <a:pPr>
-              <a:lnSpc>
-                <a:spcPct val="200000"/>
-              </a:lnSpc>
-            </a:pPr>
-            <a:r>
-              <a:rPr lang="en-US" dirty="0"/>
-              <a:t>Drain the node </a:t>
-            </a:r>
-          </a:p>
-          <a:p>
-            <a:pPr>
-              <a:lnSpc>
-                <a:spcPct val="200000"/>
-              </a:lnSpc>
-            </a:pPr>
-            <a:endParaRPr lang="en-US" dirty="0"/>
-          </a:p>
-        </p:txBody>
-      </p:sp>
-      <p:pic>
-        <p:nvPicPr>
-          <p:cNvPr id="5" name="Picture 3" descr="Image result for kubernetes">
-            <a:hlinkClick r:id="rId2"/>
-            <a:extLst>
-              <a:ext uri="{FF2B5EF4-FFF2-40B4-BE49-F238E27FC236}">
-                <a16:creationId xmlns:a16="http://schemas.microsoft.com/office/drawing/2014/main" id="{94B7171F-84B3-4D62-864B-31C544B75FDC}"/>
-              </a:ext>
-            </a:extLst>
-          </p:cNvPr>
-          <p:cNvPicPr>
-            <a:picLocks noChangeAspect="1" noChangeArrowheads="1"/>
-          </p:cNvPicPr>
-          <p:nvPr/>
-        </p:nvPicPr>
-        <p:blipFill>
-          <a:blip r:embed="rId3">
-            <a:extLst>
-              <a:ext uri="{28A0092B-C50C-407E-A947-70E740481C1C}">
-                <a14:useLocalDpi xmlns:a14="http://schemas.microsoft.com/office/drawing/2010/main" val="0"/>
-              </a:ext>
-            </a:extLst>
-          </a:blip>
-          <a:srcRect/>
-          <a:stretch>
-            <a:fillRect/>
-          </a:stretch>
-        </p:blipFill>
-        <p:spPr bwMode="auto">
-          <a:xfrm>
-            <a:off x="10555430" y="5382705"/>
-            <a:ext cx="1511453" cy="1475294"/>
-          </a:xfrm>
-          <a:prstGeom prst="rect">
-            <a:avLst/>
-          </a:prstGeom>
-          <a:noFill/>
-          <a:extLst>
-            <a:ext uri="{909E8E84-426E-40DD-AFC4-6F175D3DCCD1}">
-              <a14:hiddenFill xmlns:a14="http://schemas.microsoft.com/office/drawing/2010/main">
-                <a:solidFill>
-                  <a:srgbClr val="FFFFFF"/>
-                </a:solidFill>
-              </a14:hiddenFill>
-            </a:ext>
-          </a:extLst>
-        </p:spPr>
-      </p:pic>
-    </p:spTree>
-    <p:extLst>
-      <p:ext uri="{BB962C8B-B14F-4D97-AF65-F5344CB8AC3E}">
-        <p14:creationId xmlns:p14="http://schemas.microsoft.com/office/powerpoint/2010/main" val="3797473012"/>
-      </p:ext>
-    </p:extLst>
-  </p:cSld>
-  <p:clrMapOvr>
-    <a:masterClrMapping/>
-  </p:clrMapOvr>
-</p:sld>
-</file>
-
-<file path=ppt/slides/slide5.xml><?xml version="1.0" encoding="utf-8"?>
-<p:sld xmlns:a="http://schemas.openxmlformats.org/drawingml/2006/main" xmlns:r="http://schemas.openxmlformats.org/officeDocument/2006/relationships" xmlns:p="http://schemas.openxmlformats.org/presentationml/2006/main">
-  <p:cSld>
-    <p:spTree>
-      <p:nvGrpSpPr>
-        <p:cNvPr id="1" name=""/>
-        <p:cNvGrpSpPr/>
-        <p:nvPr/>
-      </p:nvGrpSpPr>
-      <p:grpSpPr>
-        <a:xfrm>
-          <a:off x="0" y="0"/>
-          <a:ext cx="0" cy="0"/>
-          <a:chOff x="0" y="0"/>
-          <a:chExt cx="0" cy="0"/>
-        </a:xfrm>
-      </p:grpSpPr>
-      <p:sp>
-        <p:nvSpPr>
           <p:cNvPr id="2" name="Title 1"/>
           <p:cNvSpPr>
             <a:spLocks noGrp="1"/>
@@ -3813,7 +3522,7 @@
 </p:sld>
 </file>
 
-<file path=ppt/slides/slide6.xml><?xml version="1.0" encoding="utf-8"?>
+<file path=ppt/slides/slide4.xml><?xml version="1.0" encoding="utf-8"?>
 <p:sld xmlns:a="http://schemas.openxmlformats.org/drawingml/2006/main" xmlns:r="http://schemas.openxmlformats.org/officeDocument/2006/relationships" xmlns:p="http://schemas.openxmlformats.org/presentationml/2006/main">
   <p:cSld>
     <p:spTree>
@@ -3940,7 +3649,7 @@
 </p:sld>
 </file>
 
-<file path=ppt/slides/slide7.xml><?xml version="1.0" encoding="utf-8"?>
+<file path=ppt/slides/slide5.xml><?xml version="1.0" encoding="utf-8"?>
 <p:sld xmlns:a="http://schemas.openxmlformats.org/drawingml/2006/main" xmlns:r="http://schemas.openxmlformats.org/officeDocument/2006/relationships" xmlns:p="http://schemas.openxmlformats.org/presentationml/2006/main">
   <p:cSld>
     <p:spTree>
@@ -4111,7 +3820,7 @@
 </p:sld>
 </file>
 
-<file path=ppt/slides/slide8.xml><?xml version="1.0" encoding="utf-8"?>
+<file path=ppt/slides/slide6.xml><?xml version="1.0" encoding="utf-8"?>
 <p:sld xmlns:a="http://schemas.openxmlformats.org/drawingml/2006/main" xmlns:r="http://schemas.openxmlformats.org/officeDocument/2006/relationships" xmlns:p="http://schemas.openxmlformats.org/presentationml/2006/main">
   <p:cSld>
     <p:spTree>
@@ -4144,7 +3853,7 @@
         </p:blipFill>
         <p:spPr>
           <a:xfrm>
-            <a:off x="70352" y="-195943"/>
+            <a:off x="221181" y="-1"/>
             <a:ext cx="12121648" cy="6858000"/>
           </a:xfrm>
           <a:prstGeom prst="rect">
@@ -4213,7 +3922,7 @@
 </p:sld>
 </file>
 
-<file path=ppt/slides/slide9.xml><?xml version="1.0" encoding="utf-8"?>
+<file path=ppt/slides/slide7.xml><?xml version="1.0" encoding="utf-8"?>
 <p:sld xmlns:a="http://schemas.openxmlformats.org/drawingml/2006/main" xmlns:r="http://schemas.openxmlformats.org/officeDocument/2006/relationships" xmlns:p="http://schemas.openxmlformats.org/presentationml/2006/main">
   <p:cSld>
     <p:spTree>
@@ -4344,6 +4053,297 @@
     <p:extLst>
       <p:ext uri="{BB962C8B-B14F-4D97-AF65-F5344CB8AC3E}">
         <p14:creationId xmlns:p14="http://schemas.microsoft.com/office/powerpoint/2010/main" val="3902452568"/>
+      </p:ext>
+    </p:extLst>
+  </p:cSld>
+  <p:clrMapOvr>
+    <a:masterClrMapping/>
+  </p:clrMapOvr>
+</p:sld>
+</file>
+
+<file path=ppt/slides/slide8.xml><?xml version="1.0" encoding="utf-8"?>
+<p:sld xmlns:a="http://schemas.openxmlformats.org/drawingml/2006/main" xmlns:r="http://schemas.openxmlformats.org/officeDocument/2006/relationships" xmlns:p="http://schemas.openxmlformats.org/presentationml/2006/main">
+  <p:cSld>
+    <p:spTree>
+      <p:nvGrpSpPr>
+        <p:cNvPr id="1" name=""/>
+        <p:cNvGrpSpPr/>
+        <p:nvPr/>
+      </p:nvGrpSpPr>
+      <p:grpSpPr>
+        <a:xfrm>
+          <a:off x="0" y="0"/>
+          <a:ext cx="0" cy="0"/>
+          <a:chOff x="0" y="0"/>
+          <a:chExt cx="0" cy="0"/>
+        </a:xfrm>
+      </p:grpSpPr>
+      <p:sp>
+        <p:nvSpPr>
+          <p:cNvPr id="4" name="Text Placeholder 3"/>
+          <p:cNvSpPr>
+            <a:spLocks noGrp="1"/>
+          </p:cNvSpPr>
+          <p:nvPr>
+            <p:ph type="body" idx="1"/>
+          </p:nvPr>
+        </p:nvSpPr>
+        <p:spPr>
+          <a:xfrm>
+            <a:off x="508000" y="1092200"/>
+            <a:ext cx="11684000" cy="1231107"/>
+          </a:xfrm>
+        </p:spPr>
+        <p:txBody>
+          <a:bodyPr/>
+          <a:lstStyle/>
+          <a:p>
+            <a:pPr marL="457189" indent="-457189">
+              <a:lnSpc>
+                <a:spcPct val="150000"/>
+              </a:lnSpc>
+            </a:pPr>
+            <a:endParaRPr lang="en-US" dirty="0"/>
+          </a:p>
+          <a:p>
+            <a:pPr marL="457189" indent="-457189">
+              <a:lnSpc>
+                <a:spcPct val="150000"/>
+              </a:lnSpc>
+            </a:pPr>
+            <a:endParaRPr lang="en-US" dirty="0"/>
+          </a:p>
+        </p:txBody>
+      </p:sp>
+      <p:pic>
+        <p:nvPicPr>
+          <p:cNvPr id="3" name="Picture 2"/>
+          <p:cNvPicPr>
+            <a:picLocks noChangeAspect="1"/>
+          </p:cNvPicPr>
+          <p:nvPr/>
+        </p:nvPicPr>
+        <p:blipFill>
+          <a:blip r:embed="rId2"/>
+          <a:stretch>
+            <a:fillRect/>
+          </a:stretch>
+        </p:blipFill>
+        <p:spPr>
+          <a:xfrm>
+            <a:off x="647700" y="679450"/>
+            <a:ext cx="9910599" cy="5001503"/>
+          </a:xfrm>
+          <a:prstGeom prst="rect">
+            <a:avLst/>
+          </a:prstGeom>
+        </p:spPr>
+      </p:pic>
+      <p:pic>
+        <p:nvPicPr>
+          <p:cNvPr id="5" name="Picture 3" descr="Image result for kubernetes">
+            <a:hlinkClick r:id="rId3"/>
+            <a:extLst>
+              <a:ext uri="{FF2B5EF4-FFF2-40B4-BE49-F238E27FC236}">
+                <a16:creationId xmlns:a16="http://schemas.microsoft.com/office/drawing/2014/main" id="{A8684C97-5D09-49FE-A0F7-F62F4C6BDC69}"/>
+              </a:ext>
+            </a:extLst>
+          </p:cNvPr>
+          <p:cNvPicPr>
+            <a:picLocks noChangeAspect="1" noChangeArrowheads="1"/>
+          </p:cNvPicPr>
+          <p:nvPr/>
+        </p:nvPicPr>
+        <p:blipFill>
+          <a:blip r:embed="rId4">
+            <a:extLst>
+              <a:ext uri="{28A0092B-C50C-407E-A947-70E740481C1C}">
+                <a14:useLocalDpi xmlns:a14="http://schemas.microsoft.com/office/drawing/2010/main" val="0"/>
+              </a:ext>
+            </a:extLst>
+          </a:blip>
+          <a:srcRect/>
+          <a:stretch>
+            <a:fillRect/>
+          </a:stretch>
+        </p:blipFill>
+        <p:spPr bwMode="auto">
+          <a:xfrm>
+            <a:off x="10555430" y="5382705"/>
+            <a:ext cx="1511453" cy="1475294"/>
+          </a:xfrm>
+          <a:prstGeom prst="rect">
+            <a:avLst/>
+          </a:prstGeom>
+          <a:noFill/>
+          <a:extLst>
+            <a:ext uri="{909E8E84-426E-40DD-AFC4-6F175D3DCCD1}">
+              <a14:hiddenFill xmlns:a14="http://schemas.microsoft.com/office/drawing/2010/main">
+                <a:solidFill>
+                  <a:srgbClr val="FFFFFF"/>
+                </a:solidFill>
+              </a14:hiddenFill>
+            </a:ext>
+          </a:extLst>
+        </p:spPr>
+      </p:pic>
+    </p:spTree>
+    <p:extLst>
+      <p:ext uri="{BB962C8B-B14F-4D97-AF65-F5344CB8AC3E}">
+        <p14:creationId xmlns:p14="http://schemas.microsoft.com/office/powerpoint/2010/main" val="3290821711"/>
+      </p:ext>
+    </p:extLst>
+  </p:cSld>
+  <p:clrMapOvr>
+    <a:masterClrMapping/>
+  </p:clrMapOvr>
+</p:sld>
+</file>
+
+<file path=ppt/slides/slide9.xml><?xml version="1.0" encoding="utf-8"?>
+<p:sld xmlns:a="http://schemas.openxmlformats.org/drawingml/2006/main" xmlns:r="http://schemas.openxmlformats.org/officeDocument/2006/relationships" xmlns:p="http://schemas.openxmlformats.org/presentationml/2006/main">
+  <p:cSld>
+    <p:spTree>
+      <p:nvGrpSpPr>
+        <p:cNvPr id="1" name=""/>
+        <p:cNvGrpSpPr/>
+        <p:nvPr/>
+      </p:nvGrpSpPr>
+      <p:grpSpPr>
+        <a:xfrm>
+          <a:off x="0" y="0"/>
+          <a:ext cx="0" cy="0"/>
+          <a:chOff x="0" y="0"/>
+          <a:chExt cx="0" cy="0"/>
+        </a:xfrm>
+      </p:grpSpPr>
+      <p:sp>
+        <p:nvSpPr>
+          <p:cNvPr id="3" name="Title 2"/>
+          <p:cNvSpPr>
+            <a:spLocks noGrp="1"/>
+          </p:cNvSpPr>
+          <p:nvPr>
+            <p:ph type="title"/>
+          </p:nvPr>
+        </p:nvSpPr>
+        <p:spPr>
+          <a:xfrm>
+            <a:off x="656281" y="265361"/>
+            <a:ext cx="10879439" cy="970779"/>
+          </a:xfrm>
+        </p:spPr>
+        <p:txBody>
+          <a:bodyPr>
+            <a:normAutofit fontScale="90000"/>
+          </a:bodyPr>
+          <a:lstStyle/>
+          <a:p>
+            <a:pPr>
+              <a:lnSpc>
+                <a:spcPct val="200000"/>
+              </a:lnSpc>
+            </a:pPr>
+            <a:r>
+              <a:rPr lang="en-US" dirty="0"/>
+              <a:t>Demo Placeholder</a:t>
+            </a:r>
+          </a:p>
+        </p:txBody>
+      </p:sp>
+      <p:sp>
+        <p:nvSpPr>
+          <p:cNvPr id="4" name="Text Placeholder 3"/>
+          <p:cNvSpPr>
+            <a:spLocks noGrp="1"/>
+          </p:cNvSpPr>
+          <p:nvPr>
+            <p:ph type="body" idx="1"/>
+          </p:nvPr>
+        </p:nvSpPr>
+        <p:spPr>
+          <a:xfrm>
+            <a:off x="767475" y="1496991"/>
+            <a:ext cx="10657048" cy="1641475"/>
+          </a:xfrm>
+        </p:spPr>
+        <p:txBody>
+          <a:bodyPr/>
+          <a:lstStyle/>
+          <a:p>
+            <a:pPr>
+              <a:lnSpc>
+                <a:spcPct val="200000"/>
+              </a:lnSpc>
+            </a:pPr>
+            <a:r>
+              <a:rPr lang="en-US" dirty="0"/>
+              <a:t>Drain the node </a:t>
+            </a:r>
+          </a:p>
+          <a:p>
+            <a:pPr>
+              <a:lnSpc>
+                <a:spcPct val="200000"/>
+              </a:lnSpc>
+            </a:pPr>
+            <a:endParaRPr lang="en-US" dirty="0"/>
+          </a:p>
+        </p:txBody>
+      </p:sp>
+      <p:pic>
+        <p:nvPicPr>
+          <p:cNvPr id="5" name="Picture 3" descr="Image result for kubernetes">
+            <a:hlinkClick r:id="rId2"/>
+            <a:extLst>
+              <a:ext uri="{FF2B5EF4-FFF2-40B4-BE49-F238E27FC236}">
+                <a16:creationId xmlns:a16="http://schemas.microsoft.com/office/drawing/2014/main" id="{94B7171F-84B3-4D62-864B-31C544B75FDC}"/>
+              </a:ext>
+            </a:extLst>
+          </p:cNvPr>
+          <p:cNvPicPr>
+            <a:picLocks noChangeAspect="1" noChangeArrowheads="1"/>
+          </p:cNvPicPr>
+          <p:nvPr/>
+        </p:nvPicPr>
+        <p:blipFill>
+          <a:blip r:embed="rId3">
+            <a:extLst>
+              <a:ext uri="{28A0092B-C50C-407E-A947-70E740481C1C}">
+                <a14:useLocalDpi xmlns:a14="http://schemas.microsoft.com/office/drawing/2010/main" val="0"/>
+              </a:ext>
+            </a:extLst>
+          </a:blip>
+          <a:srcRect/>
+          <a:stretch>
+            <a:fillRect/>
+          </a:stretch>
+        </p:blipFill>
+        <p:spPr bwMode="auto">
+          <a:xfrm>
+            <a:off x="10555430" y="5382705"/>
+            <a:ext cx="1511453" cy="1475294"/>
+          </a:xfrm>
+          <a:prstGeom prst="rect">
+            <a:avLst/>
+          </a:prstGeom>
+          <a:noFill/>
+          <a:extLst>
+            <a:ext uri="{909E8E84-426E-40DD-AFC4-6F175D3DCCD1}">
+              <a14:hiddenFill xmlns:a14="http://schemas.microsoft.com/office/drawing/2010/main">
+                <a:solidFill>
+                  <a:srgbClr val="FFFFFF"/>
+                </a:solidFill>
+              </a14:hiddenFill>
+            </a:ext>
+          </a:extLst>
+        </p:spPr>
+      </p:pic>
+    </p:spTree>
+    <p:extLst>
+      <p:ext uri="{BB962C8B-B14F-4D97-AF65-F5344CB8AC3E}">
+        <p14:creationId xmlns:p14="http://schemas.microsoft.com/office/powerpoint/2010/main" val="3797473012"/>
       </p:ext>
     </p:extLst>
   </p:cSld>
